--- a/bigbluebutton-config/web/default.pptx
+++ b/bigbluebutton-config/web/default.pptx
@@ -12,8 +12,8 @@
     <p:sldId id="257" r:id="rId3"/>
     <p:sldId id="258" r:id="rId4"/>
     <p:sldId id="259" r:id="rId5"/>
-    <p:sldId id="261" r:id="rId6"/>
-    <p:sldId id="260" r:id="rId7"/>
+    <p:sldId id="260" r:id="rId6"/>
+    <p:sldId id="261" r:id="rId7"/>
     <p:sldId id="262" r:id="rId8"/>
     <p:sldId id="263" r:id="rId9"/>
     <p:sldId id="264" r:id="rId10"/>
@@ -696,7 +696,7 @@
           <a:lstStyle/>
           <a:p>
             <a:fld id="{86CB4B4D-7CA3-9044-876B-883B54F8677D}" type="slidenum">
-              <a:t>‹#›</a:t>
+              <a:t>‹Nr.›</a:t>
             </a:fld>
             <a:endParaRPr/>
           </a:p>
@@ -833,7 +833,7 @@
           <a:lstStyle/>
           <a:p>
             <a:fld id="{86CB4B4D-7CA3-9044-876B-883B54F8677D}" type="slidenum">
-              <a:t>‹#›</a:t>
+              <a:t>‹Nr.›</a:t>
             </a:fld>
             <a:endParaRPr/>
           </a:p>
@@ -914,7 +914,7 @@
           <a:lstStyle/>
           <a:p>
             <a:fld id="{86CB4B4D-7CA3-9044-876B-883B54F8677D}" type="slidenum">
-              <a:t>‹#›</a:t>
+              <a:t>‹Nr.›</a:t>
             </a:fld>
             <a:endParaRPr/>
           </a:p>
@@ -966,7 +966,7 @@
           <a:lstStyle/>
           <a:p>
             <a:fld id="{86CB4B4D-7CA3-9044-876B-883B54F8677D}" type="slidenum">
-              <a:t>‹#›</a:t>
+              <a:t>‹Nr.›</a:t>
             </a:fld>
             <a:endParaRPr/>
           </a:p>
@@ -1170,7 +1170,7 @@
           <a:lstStyle/>
           <a:p>
             <a:fld id="{86CB4B4D-7CA3-9044-876B-883B54F8677D}" type="slidenum">
-              <a:t>‹#›</a:t>
+              <a:t>‹Nr.›</a:t>
             </a:fld>
             <a:endParaRPr/>
           </a:p>
@@ -1251,7 +1251,7 @@
           <a:lstStyle/>
           <a:p>
             <a:fld id="{86CB4B4D-7CA3-9044-876B-883B54F8677D}" type="slidenum">
-              <a:t>‹#›</a:t>
+              <a:t>‹Nr.›</a:t>
             </a:fld>
             <a:endParaRPr/>
           </a:p>
@@ -1459,7 +1459,7 @@
           <a:lstStyle/>
           <a:p>
             <a:fld id="{86CB4B4D-7CA3-9044-876B-883B54F8677D}" type="slidenum">
-              <a:t>‹#›</a:t>
+              <a:t>‹Nr.›</a:t>
             </a:fld>
             <a:endParaRPr/>
           </a:p>
@@ -1536,7 +1536,7 @@
           <a:lstStyle/>
           <a:p>
             <a:fld id="{86CB4B4D-7CA3-9044-876B-883B54F8677D}" type="slidenum">
-              <a:t>‹#›</a:t>
+              <a:t>‹Nr.›</a:t>
             </a:fld>
             <a:endParaRPr/>
           </a:p>
@@ -1678,7 +1678,7 @@
           <a:lstStyle/>
           <a:p>
             <a:fld id="{86CB4B4D-7CA3-9044-876B-883B54F8677D}" type="slidenum">
-              <a:t>‹#›</a:t>
+              <a:t>‹Nr.›</a:t>
             </a:fld>
             <a:endParaRPr/>
           </a:p>
@@ -1868,7 +1868,7 @@
           <a:lstStyle/>
           <a:p>
             <a:fld id="{86CB4B4D-7CA3-9044-876B-883B54F8677D}" type="slidenum">
-              <a:t>‹#›</a:t>
+              <a:t>‹Nr.›</a:t>
             </a:fld>
             <a:endParaRPr/>
           </a:p>
@@ -1989,7 +1989,7 @@
           <a:lstStyle/>
           <a:p>
             <a:fld id="{86CB4B4D-7CA3-9044-876B-883B54F8677D}" type="slidenum">
-              <a:t>‹#›</a:t>
+              <a:t>‹Nr.›</a:t>
             </a:fld>
             <a:endParaRPr/>
           </a:p>
@@ -2128,7 +2128,7 @@
           <a:lstStyle/>
           <a:p>
             <a:fld id="{86CB4B4D-7CA3-9044-876B-883B54F8677D}" type="slidenum">
-              <a:t>‹#›</a:t>
+              <a:t>‹Nr.›</a:t>
             </a:fld>
             <a:endParaRPr/>
           </a:p>
@@ -2191,7 +2191,7 @@
           </a:ln>
           <a:extLst>
             <a:ext uri="{C572A759-6A51-4108-AA02-DFA0A04FC94B}">
-              <ma14:wrappingTextBoxFlag xmlns:ma14="http://schemas.microsoft.com/office/mac/drawingml/2011/main" xmlns="" val="1"/>
+              <ma14:wrappingTextBoxFlag xmlns="" xmlns:ma14="http://schemas.microsoft.com/office/mac/drawingml/2011/main" val="1"/>
             </a:ext>
           </a:extLst>
         </p:spPr>
@@ -2230,7 +2230,7 @@
           </a:ln>
           <a:extLst>
             <a:ext uri="{C572A759-6A51-4108-AA02-DFA0A04FC94B}">
-              <ma14:wrappingTextBoxFlag xmlns:ma14="http://schemas.microsoft.com/office/mac/drawingml/2011/main" xmlns="" val="1"/>
+              <ma14:wrappingTextBoxFlag xmlns="" xmlns:ma14="http://schemas.microsoft.com/office/mac/drawingml/2011/main" val="1"/>
             </a:ext>
           </a:extLst>
         </p:spPr>
@@ -2308,7 +2308,7 @@
           </a:lstStyle>
           <a:p>
             <a:fld id="{86CB4B4D-7CA3-9044-876B-883B54F8677D}" type="slidenum">
-              <a:t>‹#›</a:t>
+              <a:t>‹Nr.›</a:t>
             </a:fld>
             <a:endParaRPr/>
           </a:p>
@@ -3181,7 +3181,11 @@
                 <a:sym typeface="Helvetica Neue Medium"/>
               </a:defRPr>
             </a:pPr>
-            <a:endParaRPr/>
+            <a:endParaRPr dirty="0">
+              <a:latin typeface="Liberation Sans" panose="020B0604020202020204" pitchFamily="34" charset="0"/>
+              <a:ea typeface="Liberation Sans" panose="020B0604020202020204" pitchFamily="34" charset="0"/>
+              <a:cs typeface="Liberation Sans" panose="020B0604020202020204" pitchFamily="34" charset="0"/>
+            </a:endParaRPr>
           </a:p>
         </p:txBody>
       </p:sp>
@@ -3193,8 +3197,8 @@
         </p:nvSpPr>
         <p:spPr>
           <a:xfrm>
-            <a:off x="7224712" y="2330449"/>
-            <a:ext cx="9934576" cy="1079501"/>
+            <a:off x="7119297" y="2326461"/>
+            <a:ext cx="10145406" cy="1087477"/>
           </a:xfrm>
           <a:prstGeom prst="rect">
             <a:avLst/>
@@ -3204,7 +3208,7 @@
           </a:ln>
           <a:extLst>
             <a:ext uri="{C572A759-6A51-4108-AA02-DFA0A04FC94B}">
-              <ma14:wrappingTextBoxFlag xmlns:ma14="http://schemas.microsoft.com/office/mac/drawingml/2011/main" xmlns="" val="1"/>
+              <ma14:wrappingTextBoxFlag xmlns="" xmlns:ma14="http://schemas.microsoft.com/office/mac/drawingml/2011/main" val="1"/>
             </a:ext>
           </a:extLst>
         </p:spPr>
@@ -3227,8 +3231,26 @@
           </a:lstStyle>
           <a:p>
             <a:r>
-              <a:t>Welcome To BigBlueButton</a:t>
-            </a:r>
+              <a:rPr dirty="0">
+                <a:latin typeface="Liberation Sans" panose="020B0604020202020204" pitchFamily="34" charset="0"/>
+                <a:ea typeface="Liberation Sans" panose="020B0604020202020204" pitchFamily="34" charset="0"/>
+                <a:cs typeface="Liberation Sans" panose="020B0604020202020204" pitchFamily="34" charset="0"/>
+              </a:rPr>
+              <a:t>Welcome To </a:t>
+            </a:r>
+            <a:r>
+              <a:rPr dirty="0" err="1">
+                <a:latin typeface="Liberation Sans" panose="020B0604020202020204" pitchFamily="34" charset="0"/>
+                <a:ea typeface="Liberation Sans" panose="020B0604020202020204" pitchFamily="34" charset="0"/>
+                <a:cs typeface="Liberation Sans" panose="020B0604020202020204" pitchFamily="34" charset="0"/>
+              </a:rPr>
+              <a:t>BigBlueButton</a:t>
+            </a:r>
+            <a:endParaRPr dirty="0">
+              <a:latin typeface="Liberation Sans" panose="020B0604020202020204" pitchFamily="34" charset="0"/>
+              <a:ea typeface="Liberation Sans" panose="020B0604020202020204" pitchFamily="34" charset="0"/>
+              <a:cs typeface="Liberation Sans" panose="020B0604020202020204" pitchFamily="34" charset="0"/>
+            </a:endParaRPr>
           </a:p>
         </p:txBody>
       </p:sp>
@@ -3268,7 +3290,11 @@
                 <a:sym typeface="Helvetica Neue Medium"/>
               </a:defRPr>
             </a:pPr>
-            <a:endParaRPr/>
+            <a:endParaRPr dirty="0">
+              <a:latin typeface="Liberation Sans" panose="020B0604020202020204" pitchFamily="34" charset="0"/>
+              <a:ea typeface="Liberation Sans" panose="020B0604020202020204" pitchFamily="34" charset="0"/>
+              <a:cs typeface="Liberation Sans" panose="020B0604020202020204" pitchFamily="34" charset="0"/>
+            </a:endParaRPr>
           </a:p>
         </p:txBody>
       </p:sp>
@@ -3291,7 +3317,7 @@
           </a:ln>
           <a:extLst>
             <a:ext uri="{C572A759-6A51-4108-AA02-DFA0A04FC94B}">
-              <ma14:wrappingTextBoxFlag xmlns:ma14="http://schemas.microsoft.com/office/mac/drawingml/2011/main" xmlns="" val="1"/>
+              <ma14:wrappingTextBoxFlag xmlns="" xmlns:ma14="http://schemas.microsoft.com/office/mac/drawingml/2011/main" val="1"/>
             </a:ext>
           </a:extLst>
         </p:spPr>
@@ -3314,7 +3340,11 @@
           </a:lstStyle>
           <a:p>
             <a:r>
-              <a:rPr dirty="0"/>
+              <a:rPr dirty="0">
+                <a:latin typeface="Liberation Sans" panose="020B0604020202020204" pitchFamily="34" charset="0"/>
+                <a:ea typeface="Liberation Sans" panose="020B0604020202020204" pitchFamily="34" charset="0"/>
+                <a:cs typeface="Liberation Sans" panose="020B0604020202020204" pitchFamily="34" charset="0"/>
+              </a:rPr>
               <a:t>BigBlueButton is an open source web conferencing system designed for online learning</a:t>
             </a:r>
           </a:p>
@@ -3349,7 +3379,7 @@
           </a:effectLst>
           <a:extLst>
             <a:ext uri="{C572A759-6A51-4108-AA02-DFA0A04FC94B}">
-              <ma14:wrappingTextBoxFlag xmlns:ma14="http://schemas.microsoft.com/office/mac/drawingml/2011/main" xmlns="" val="1"/>
+              <ma14:wrappingTextBoxFlag xmlns="" xmlns:ma14="http://schemas.microsoft.com/office/mac/drawingml/2011/main" val="1"/>
             </a:ext>
           </a:extLst>
         </p:spPr>
@@ -3370,6 +3400,11 @@
           </a:lstStyle>
           <a:p>
             <a:r>
+              <a:rPr>
+                <a:latin typeface="Liberation Sans" panose="020B0604020202020204" pitchFamily="34" charset="0"/>
+                <a:ea typeface="Liberation Sans" panose="020B0604020202020204" pitchFamily="34" charset="0"/>
+                <a:cs typeface="Liberation Sans" panose="020B0604020202020204" pitchFamily="34" charset="0"/>
+              </a:rPr>
               <a:t>t</a:t>
             </a:r>
           </a:p>
@@ -3394,7 +3429,7 @@
           </a:ln>
           <a:extLst>
             <a:ext uri="{C572A759-6A51-4108-AA02-DFA0A04FC94B}">
-              <ma14:wrappingTextBoxFlag xmlns:ma14="http://schemas.microsoft.com/office/mac/drawingml/2011/main" xmlns="" val="1"/>
+              <ma14:wrappingTextBoxFlag xmlns="" xmlns:ma14="http://schemas.microsoft.com/office/mac/drawingml/2011/main" val="1"/>
             </a:ext>
           </a:extLst>
         </p:spPr>
@@ -3417,10 +3452,18 @@
           </a:lstStyle>
           <a:p>
             <a:r>
-              <a:rPr lang="en-US" dirty="0"/>
+              <a:rPr lang="en-US" dirty="0">
+                <a:latin typeface="Liberation Sans" panose="020B0604020202020204" pitchFamily="34" charset="0"/>
+                <a:ea typeface="Liberation Sans" panose="020B0604020202020204" pitchFamily="34" charset="0"/>
+                <a:cs typeface="Liberation Sans" panose="020B0604020202020204" pitchFamily="34" charset="0"/>
+              </a:rPr>
               <a:t>Chat</a:t>
             </a:r>
-            <a:endParaRPr dirty="0"/>
+            <a:endParaRPr dirty="0">
+              <a:latin typeface="Liberation Sans" panose="020B0604020202020204" pitchFamily="34" charset="0"/>
+              <a:ea typeface="Liberation Sans" panose="020B0604020202020204" pitchFamily="34" charset="0"/>
+              <a:cs typeface="Liberation Sans" panose="020B0604020202020204" pitchFamily="34" charset="0"/>
+            </a:endParaRPr>
           </a:p>
         </p:txBody>
       </p:sp>
@@ -3443,7 +3486,7 @@
           </a:ln>
           <a:extLst>
             <a:ext uri="{C572A759-6A51-4108-AA02-DFA0A04FC94B}">
-              <ma14:wrappingTextBoxFlag xmlns:ma14="http://schemas.microsoft.com/office/mac/drawingml/2011/main" xmlns="" val="1"/>
+              <ma14:wrappingTextBoxFlag xmlns="" xmlns:ma14="http://schemas.microsoft.com/office/mac/drawingml/2011/main" val="1"/>
             </a:ext>
           </a:extLst>
         </p:spPr>
@@ -3467,6 +3510,11 @@
           </a:lstStyle>
           <a:p>
             <a:r>
+              <a:rPr dirty="0">
+                <a:latin typeface="Liberation Sans" panose="020B0604020202020204" pitchFamily="34" charset="0"/>
+                <a:ea typeface="Liberation Sans" panose="020B0604020202020204" pitchFamily="34" charset="0"/>
+                <a:cs typeface="Liberation Sans" panose="020B0604020202020204" pitchFamily="34" charset="0"/>
+              </a:rPr>
               <a:t>Send public and private messages.</a:t>
             </a:r>
           </a:p>
@@ -3508,7 +3556,11 @@
                 <a:sym typeface="Helvetica"/>
               </a:defRPr>
             </a:pPr>
-            <a:endParaRPr/>
+            <a:endParaRPr>
+              <a:latin typeface="Liberation Sans" panose="020B0604020202020204" pitchFamily="34" charset="0"/>
+              <a:ea typeface="Liberation Sans" panose="020B0604020202020204" pitchFamily="34" charset="0"/>
+              <a:cs typeface="Liberation Sans" panose="020B0604020202020204" pitchFamily="34" charset="0"/>
+            </a:endParaRPr>
           </a:p>
         </p:txBody>
       </p:sp>
@@ -3531,7 +3583,7 @@
           </a:ln>
           <a:extLst>
             <a:ext uri="{C572A759-6A51-4108-AA02-DFA0A04FC94B}">
-              <ma14:wrappingTextBoxFlag xmlns:ma14="http://schemas.microsoft.com/office/mac/drawingml/2011/main" xmlns="" val="1"/>
+              <ma14:wrappingTextBoxFlag xmlns="" xmlns:ma14="http://schemas.microsoft.com/office/mac/drawingml/2011/main" val="1"/>
             </a:ext>
           </a:extLst>
         </p:spPr>
@@ -3554,7 +3606,11 @@
           </a:lstStyle>
           <a:p>
             <a:r>
-              <a:rPr dirty="0"/>
+              <a:rPr dirty="0">
+                <a:latin typeface="Liberation Sans" panose="020B0604020202020204" pitchFamily="34" charset="0"/>
+                <a:ea typeface="Liberation Sans" panose="020B0604020202020204" pitchFamily="34" charset="0"/>
+                <a:cs typeface="Liberation Sans" panose="020B0604020202020204" pitchFamily="34" charset="0"/>
+              </a:rPr>
               <a:t>Webcams</a:t>
             </a:r>
           </a:p>
@@ -3579,7 +3635,7 @@
           </a:ln>
           <a:extLst>
             <a:ext uri="{C572A759-6A51-4108-AA02-DFA0A04FC94B}">
-              <ma14:wrappingTextBoxFlag xmlns:ma14="http://schemas.microsoft.com/office/mac/drawingml/2011/main" xmlns="" val="1"/>
+              <ma14:wrappingTextBoxFlag xmlns="" xmlns:ma14="http://schemas.microsoft.com/office/mac/drawingml/2011/main" val="1"/>
             </a:ext>
           </a:extLst>
         </p:spPr>
@@ -3603,6 +3659,11 @@
           </a:lstStyle>
           <a:p>
             <a:r>
+              <a:rPr>
+                <a:latin typeface="Liberation Sans" panose="020B0604020202020204" pitchFamily="34" charset="0"/>
+                <a:ea typeface="Liberation Sans" panose="020B0604020202020204" pitchFamily="34" charset="0"/>
+                <a:cs typeface="Liberation Sans" panose="020B0604020202020204" pitchFamily="34" charset="0"/>
+              </a:rPr>
               <a:t>Hold visual meetings.</a:t>
             </a:r>
           </a:p>
@@ -3644,7 +3705,11 @@
                 <a:sym typeface="Helvetica"/>
               </a:defRPr>
             </a:pPr>
-            <a:endParaRPr/>
+            <a:endParaRPr>
+              <a:latin typeface="Liberation Sans" panose="020B0604020202020204" pitchFamily="34" charset="0"/>
+              <a:ea typeface="Liberation Sans" panose="020B0604020202020204" pitchFamily="34" charset="0"/>
+              <a:cs typeface="Liberation Sans" panose="020B0604020202020204" pitchFamily="34" charset="0"/>
+            </a:endParaRPr>
           </a:p>
         </p:txBody>
       </p:sp>
@@ -3667,7 +3732,7 @@
           </a:ln>
           <a:extLst>
             <a:ext uri="{C572A759-6A51-4108-AA02-DFA0A04FC94B}">
-              <ma14:wrappingTextBoxFlag xmlns:ma14="http://schemas.microsoft.com/office/mac/drawingml/2011/main" xmlns="" val="1"/>
+              <ma14:wrappingTextBoxFlag xmlns="" xmlns:ma14="http://schemas.microsoft.com/office/mac/drawingml/2011/main" val="1"/>
             </a:ext>
           </a:extLst>
         </p:spPr>
@@ -3690,7 +3755,11 @@
           </a:lstStyle>
           <a:p>
             <a:r>
-              <a:rPr dirty="0"/>
+              <a:rPr dirty="0">
+                <a:latin typeface="Liberation Sans" panose="020B0604020202020204" pitchFamily="34" charset="0"/>
+                <a:ea typeface="Liberation Sans" panose="020B0604020202020204" pitchFamily="34" charset="0"/>
+                <a:cs typeface="Liberation Sans" panose="020B0604020202020204" pitchFamily="34" charset="0"/>
+              </a:rPr>
               <a:t>Audio</a:t>
             </a:r>
           </a:p>
@@ -3715,7 +3784,7 @@
           </a:ln>
           <a:extLst>
             <a:ext uri="{C572A759-6A51-4108-AA02-DFA0A04FC94B}">
-              <ma14:wrappingTextBoxFlag xmlns:ma14="http://schemas.microsoft.com/office/mac/drawingml/2011/main" xmlns="" val="1"/>
+              <ma14:wrappingTextBoxFlag xmlns="" xmlns:ma14="http://schemas.microsoft.com/office/mac/drawingml/2011/main" val="1"/>
             </a:ext>
           </a:extLst>
         </p:spPr>
@@ -3739,7 +3808,11 @@
           </a:lstStyle>
           <a:p>
             <a:r>
-              <a:rPr dirty="0"/>
+              <a:rPr dirty="0">
+                <a:latin typeface="Liberation Sans" panose="020B0604020202020204" pitchFamily="34" charset="0"/>
+                <a:ea typeface="Liberation Sans" panose="020B0604020202020204" pitchFamily="34" charset="0"/>
+                <a:cs typeface="Liberation Sans" panose="020B0604020202020204" pitchFamily="34" charset="0"/>
+              </a:rPr>
               <a:t>Communicate using high quality audio.</a:t>
             </a:r>
           </a:p>
@@ -3781,7 +3854,11 @@
                 <a:sym typeface="Helvetica"/>
               </a:defRPr>
             </a:pPr>
-            <a:endParaRPr/>
+            <a:endParaRPr>
+              <a:latin typeface="Liberation Sans" panose="020B0604020202020204" pitchFamily="34" charset="0"/>
+              <a:ea typeface="Liberation Sans" panose="020B0604020202020204" pitchFamily="34" charset="0"/>
+              <a:cs typeface="Liberation Sans" panose="020B0604020202020204" pitchFamily="34" charset="0"/>
+            </a:endParaRPr>
           </a:p>
         </p:txBody>
       </p:sp>
@@ -3804,7 +3881,7 @@
           </a:ln>
           <a:extLst>
             <a:ext uri="{C572A759-6A51-4108-AA02-DFA0A04FC94B}">
-              <ma14:wrappingTextBoxFlag xmlns:ma14="http://schemas.microsoft.com/office/mac/drawingml/2011/main" xmlns="" val="1"/>
+              <ma14:wrappingTextBoxFlag xmlns="" xmlns:ma14="http://schemas.microsoft.com/office/mac/drawingml/2011/main" val="1"/>
             </a:ext>
           </a:extLst>
         </p:spPr>
@@ -3827,6 +3904,11 @@
           </a:lstStyle>
           <a:p>
             <a:r>
+              <a:rPr>
+                <a:latin typeface="Liberation Sans" panose="020B0604020202020204" pitchFamily="34" charset="0"/>
+                <a:ea typeface="Liberation Sans" panose="020B0604020202020204" pitchFamily="34" charset="0"/>
+                <a:cs typeface="Liberation Sans" panose="020B0604020202020204" pitchFamily="34" charset="0"/>
+              </a:rPr>
               <a:t>Emojis</a:t>
             </a:r>
           </a:p>
@@ -3851,7 +3933,7 @@
           </a:ln>
           <a:extLst>
             <a:ext uri="{C572A759-6A51-4108-AA02-DFA0A04FC94B}">
-              <ma14:wrappingTextBoxFlag xmlns:ma14="http://schemas.microsoft.com/office/mac/drawingml/2011/main" xmlns="" val="1"/>
+              <ma14:wrappingTextBoxFlag xmlns="" xmlns:ma14="http://schemas.microsoft.com/office/mac/drawingml/2011/main" val="1"/>
             </a:ext>
           </a:extLst>
         </p:spPr>
@@ -3875,6 +3957,11 @@
           </a:lstStyle>
           <a:p>
             <a:r>
+              <a:rPr>
+                <a:latin typeface="Liberation Sans" panose="020B0604020202020204" pitchFamily="34" charset="0"/>
+                <a:ea typeface="Liberation Sans" panose="020B0604020202020204" pitchFamily="34" charset="0"/>
+                <a:cs typeface="Liberation Sans" panose="020B0604020202020204" pitchFamily="34" charset="0"/>
+              </a:rPr>
               <a:t>Express yourself.</a:t>
             </a:r>
           </a:p>
@@ -3916,7 +4003,11 @@
                 <a:sym typeface="Helvetica"/>
               </a:defRPr>
             </a:pPr>
-            <a:endParaRPr/>
+            <a:endParaRPr>
+              <a:latin typeface="Liberation Sans" panose="020B0604020202020204" pitchFamily="34" charset="0"/>
+              <a:ea typeface="Liberation Sans" panose="020B0604020202020204" pitchFamily="34" charset="0"/>
+              <a:cs typeface="Liberation Sans" panose="020B0604020202020204" pitchFamily="34" charset="0"/>
+            </a:endParaRPr>
           </a:p>
         </p:txBody>
       </p:sp>
@@ -3939,7 +4030,7 @@
           </a:ln>
           <a:extLst>
             <a:ext uri="{C572A759-6A51-4108-AA02-DFA0A04FC94B}">
-              <ma14:wrappingTextBoxFlag xmlns:ma14="http://schemas.microsoft.com/office/mac/drawingml/2011/main" xmlns="" val="1"/>
+              <ma14:wrappingTextBoxFlag xmlns="" xmlns:ma14="http://schemas.microsoft.com/office/mac/drawingml/2011/main" val="1"/>
             </a:ext>
           </a:extLst>
         </p:spPr>
@@ -3962,6 +4053,11 @@
           </a:lstStyle>
           <a:p>
             <a:r>
+              <a:rPr>
+                <a:latin typeface="Liberation Sans" panose="020B0604020202020204" pitchFamily="34" charset="0"/>
+                <a:ea typeface="Liberation Sans" panose="020B0604020202020204" pitchFamily="34" charset="0"/>
+                <a:cs typeface="Liberation Sans" panose="020B0604020202020204" pitchFamily="34" charset="0"/>
+              </a:rPr>
               <a:t>BREAKOUT ROOMS</a:t>
             </a:r>
           </a:p>
@@ -3986,7 +4082,7 @@
           </a:ln>
           <a:extLst>
             <a:ext uri="{C572A759-6A51-4108-AA02-DFA0A04FC94B}">
-              <ma14:wrappingTextBoxFlag xmlns:ma14="http://schemas.microsoft.com/office/mac/drawingml/2011/main" xmlns="" val="1"/>
+              <ma14:wrappingTextBoxFlag xmlns="" xmlns:ma14="http://schemas.microsoft.com/office/mac/drawingml/2011/main" val="1"/>
             </a:ext>
           </a:extLst>
         </p:spPr>
@@ -4010,6 +4106,11 @@
           </a:lstStyle>
           <a:p>
             <a:r>
+              <a:rPr>
+                <a:latin typeface="Liberation Sans" panose="020B0604020202020204" pitchFamily="34" charset="0"/>
+                <a:ea typeface="Liberation Sans" panose="020B0604020202020204" pitchFamily="34" charset="0"/>
+                <a:cs typeface="Liberation Sans" panose="020B0604020202020204" pitchFamily="34" charset="0"/>
+              </a:rPr>
               <a:t>Group users into breakout rooms for team collaboration.</a:t>
             </a:r>
           </a:p>
@@ -4051,7 +4152,11 @@
                 <a:sym typeface="Helvetica"/>
               </a:defRPr>
             </a:pPr>
-            <a:endParaRPr/>
+            <a:endParaRPr>
+              <a:latin typeface="Liberation Sans" panose="020B0604020202020204" pitchFamily="34" charset="0"/>
+              <a:ea typeface="Liberation Sans" panose="020B0604020202020204" pitchFamily="34" charset="0"/>
+              <a:cs typeface="Liberation Sans" panose="020B0604020202020204" pitchFamily="34" charset="0"/>
+            </a:endParaRPr>
           </a:p>
         </p:txBody>
       </p:sp>
@@ -4074,7 +4179,7 @@
           </a:ln>
           <a:extLst>
             <a:ext uri="{C572A759-6A51-4108-AA02-DFA0A04FC94B}">
-              <ma14:wrappingTextBoxFlag xmlns:ma14="http://schemas.microsoft.com/office/mac/drawingml/2011/main" xmlns="" val="1"/>
+              <ma14:wrappingTextBoxFlag xmlns="" xmlns:ma14="http://schemas.microsoft.com/office/mac/drawingml/2011/main" val="1"/>
             </a:ext>
           </a:extLst>
         </p:spPr>
@@ -4097,6 +4202,11 @@
           </a:lstStyle>
           <a:p>
             <a:r>
+              <a:rPr>
+                <a:latin typeface="Liberation Sans" panose="020B0604020202020204" pitchFamily="34" charset="0"/>
+                <a:ea typeface="Liberation Sans" panose="020B0604020202020204" pitchFamily="34" charset="0"/>
+                <a:cs typeface="Liberation Sans" panose="020B0604020202020204" pitchFamily="34" charset="0"/>
+              </a:rPr>
               <a:t>Polling</a:t>
             </a:r>
           </a:p>
@@ -4121,7 +4231,7 @@
           </a:ln>
           <a:extLst>
             <a:ext uri="{C572A759-6A51-4108-AA02-DFA0A04FC94B}">
-              <ma14:wrappingTextBoxFlag xmlns:ma14="http://schemas.microsoft.com/office/mac/drawingml/2011/main" xmlns="" val="1"/>
+              <ma14:wrappingTextBoxFlag xmlns="" xmlns:ma14="http://schemas.microsoft.com/office/mac/drawingml/2011/main" val="1"/>
             </a:ext>
           </a:extLst>
         </p:spPr>
@@ -4145,6 +4255,11 @@
           </a:lstStyle>
           <a:p>
             <a:r>
+              <a:rPr>
+                <a:latin typeface="Liberation Sans" panose="020B0604020202020204" pitchFamily="34" charset="0"/>
+                <a:ea typeface="Liberation Sans" panose="020B0604020202020204" pitchFamily="34" charset="0"/>
+                <a:cs typeface="Liberation Sans" panose="020B0604020202020204" pitchFamily="34" charset="0"/>
+              </a:rPr>
               <a:t>Poll your users anytime.</a:t>
             </a:r>
           </a:p>
@@ -4186,7 +4301,11 @@
                 <a:sym typeface="Helvetica"/>
               </a:defRPr>
             </a:pPr>
-            <a:endParaRPr/>
+            <a:endParaRPr>
+              <a:latin typeface="Liberation Sans" panose="020B0604020202020204" pitchFamily="34" charset="0"/>
+              <a:ea typeface="Liberation Sans" panose="020B0604020202020204" pitchFamily="34" charset="0"/>
+              <a:cs typeface="Liberation Sans" panose="020B0604020202020204" pitchFamily="34" charset="0"/>
+            </a:endParaRPr>
           </a:p>
         </p:txBody>
       </p:sp>
@@ -4209,7 +4328,7 @@
           </a:ln>
           <a:extLst>
             <a:ext uri="{C572A759-6A51-4108-AA02-DFA0A04FC94B}">
-              <ma14:wrappingTextBoxFlag xmlns:ma14="http://schemas.microsoft.com/office/mac/drawingml/2011/main" xmlns="" val="1"/>
+              <ma14:wrappingTextBoxFlag xmlns="" xmlns:ma14="http://schemas.microsoft.com/office/mac/drawingml/2011/main" val="1"/>
             </a:ext>
           </a:extLst>
         </p:spPr>
@@ -4232,15 +4351,27 @@
           </a:lstStyle>
           <a:p>
             <a:r>
-              <a:rPr dirty="0"/>
+              <a:rPr dirty="0">
+                <a:latin typeface="Liberation Sans" panose="020B0604020202020204" pitchFamily="34" charset="0"/>
+                <a:ea typeface="Liberation Sans" panose="020B0604020202020204" pitchFamily="34" charset="0"/>
+                <a:cs typeface="Liberation Sans" panose="020B0604020202020204" pitchFamily="34" charset="0"/>
+              </a:rPr>
               <a:t>Screen</a:t>
             </a:r>
             <a:r>
-              <a:rPr lang="en-US" dirty="0"/>
+              <a:rPr lang="en-US" dirty="0">
+                <a:latin typeface="Liberation Sans" panose="020B0604020202020204" pitchFamily="34" charset="0"/>
+                <a:ea typeface="Liberation Sans" panose="020B0604020202020204" pitchFamily="34" charset="0"/>
+                <a:cs typeface="Liberation Sans" panose="020B0604020202020204" pitchFamily="34" charset="0"/>
+              </a:rPr>
               <a:t> </a:t>
             </a:r>
             <a:r>
-              <a:rPr dirty="0"/>
+              <a:rPr dirty="0">
+                <a:latin typeface="Liberation Sans" panose="020B0604020202020204" pitchFamily="34" charset="0"/>
+                <a:ea typeface="Liberation Sans" panose="020B0604020202020204" pitchFamily="34" charset="0"/>
+                <a:cs typeface="Liberation Sans" panose="020B0604020202020204" pitchFamily="34" charset="0"/>
+              </a:rPr>
               <a:t>sharing</a:t>
             </a:r>
           </a:p>
@@ -4265,7 +4396,7 @@
           </a:ln>
           <a:extLst>
             <a:ext uri="{C572A759-6A51-4108-AA02-DFA0A04FC94B}">
-              <ma14:wrappingTextBoxFlag xmlns:ma14="http://schemas.microsoft.com/office/mac/drawingml/2011/main" xmlns="" val="1"/>
+              <ma14:wrappingTextBoxFlag xmlns="" xmlns:ma14="http://schemas.microsoft.com/office/mac/drawingml/2011/main" val="1"/>
             </a:ext>
           </a:extLst>
         </p:spPr>
@@ -4289,6 +4420,11 @@
           </a:lstStyle>
           <a:p>
             <a:r>
+              <a:rPr>
+                <a:latin typeface="Liberation Sans" panose="020B0604020202020204" pitchFamily="34" charset="0"/>
+                <a:ea typeface="Liberation Sans" panose="020B0604020202020204" pitchFamily="34" charset="0"/>
+                <a:cs typeface="Liberation Sans" panose="020B0604020202020204" pitchFamily="34" charset="0"/>
+              </a:rPr>
               <a:t>Share your screen.</a:t>
             </a:r>
           </a:p>
@@ -4330,7 +4466,11 @@
                 <a:sym typeface="Helvetica"/>
               </a:defRPr>
             </a:pPr>
-            <a:endParaRPr/>
+            <a:endParaRPr>
+              <a:latin typeface="Liberation Sans" panose="020B0604020202020204" pitchFamily="34" charset="0"/>
+              <a:ea typeface="Liberation Sans" panose="020B0604020202020204" pitchFamily="34" charset="0"/>
+              <a:cs typeface="Liberation Sans" panose="020B0604020202020204" pitchFamily="34" charset="0"/>
+            </a:endParaRPr>
           </a:p>
         </p:txBody>
       </p:sp>
@@ -4353,7 +4493,7 @@
           </a:ln>
           <a:extLst>
             <a:ext uri="{C572A759-6A51-4108-AA02-DFA0A04FC94B}">
-              <ma14:wrappingTextBoxFlag xmlns:ma14="http://schemas.microsoft.com/office/mac/drawingml/2011/main" xmlns="" val="1"/>
+              <ma14:wrappingTextBoxFlag xmlns="" xmlns:ma14="http://schemas.microsoft.com/office/mac/drawingml/2011/main" val="1"/>
             </a:ext>
           </a:extLst>
         </p:spPr>
@@ -4376,6 +4516,11 @@
           </a:lstStyle>
           <a:p>
             <a:r>
+              <a:rPr>
+                <a:latin typeface="Liberation Sans" panose="020B0604020202020204" pitchFamily="34" charset="0"/>
+                <a:ea typeface="Liberation Sans" panose="020B0604020202020204" pitchFamily="34" charset="0"/>
+                <a:cs typeface="Liberation Sans" panose="020B0604020202020204" pitchFamily="34" charset="0"/>
+              </a:rPr>
               <a:t>Multi-user whiteboard</a:t>
             </a:r>
           </a:p>
@@ -4400,7 +4545,7 @@
           </a:ln>
           <a:extLst>
             <a:ext uri="{C572A759-6A51-4108-AA02-DFA0A04FC94B}">
-              <ma14:wrappingTextBoxFlag xmlns:ma14="http://schemas.microsoft.com/office/mac/drawingml/2011/main" xmlns="" val="1"/>
+              <ma14:wrappingTextBoxFlag xmlns="" xmlns:ma14="http://schemas.microsoft.com/office/mac/drawingml/2011/main" val="1"/>
             </a:ext>
           </a:extLst>
         </p:spPr>
@@ -4424,6 +4569,11 @@
           </a:lstStyle>
           <a:p>
             <a:r>
+              <a:rPr>
+                <a:latin typeface="Liberation Sans" panose="020B0604020202020204" pitchFamily="34" charset="0"/>
+                <a:ea typeface="Liberation Sans" panose="020B0604020202020204" pitchFamily="34" charset="0"/>
+                <a:cs typeface="Liberation Sans" panose="020B0604020202020204" pitchFamily="34" charset="0"/>
+              </a:rPr>
               <a:t>Draw together.</a:t>
             </a:r>
           </a:p>
@@ -4465,7 +4615,11 @@
                 <a:sym typeface="Helvetica"/>
               </a:defRPr>
             </a:pPr>
-            <a:endParaRPr/>
+            <a:endParaRPr>
+              <a:latin typeface="Liberation Sans" panose="020B0604020202020204" pitchFamily="34" charset="0"/>
+              <a:ea typeface="Liberation Sans" panose="020B0604020202020204" pitchFamily="34" charset="0"/>
+              <a:cs typeface="Liberation Sans" panose="020B0604020202020204" pitchFamily="34" charset="0"/>
+            </a:endParaRPr>
           </a:p>
         </p:txBody>
       </p:sp>
@@ -4488,7 +4642,7 @@
           </a:ln>
           <a:extLst>
             <a:ext uri="{C572A759-6A51-4108-AA02-DFA0A04FC94B}">
-              <ma14:wrappingTextBoxFlag xmlns:ma14="http://schemas.microsoft.com/office/mac/drawingml/2011/main" xmlns="" val="1"/>
+              <ma14:wrappingTextBoxFlag xmlns="" xmlns:ma14="http://schemas.microsoft.com/office/mac/drawingml/2011/main" val="1"/>
             </a:ext>
           </a:extLst>
         </p:spPr>
@@ -4510,7 +4664,11 @@
               </a:defRPr>
             </a:pPr>
             <a:r>
-              <a:rPr dirty="0"/>
+              <a:rPr dirty="0">
+                <a:latin typeface="Liberation Sans" panose="020B0604020202020204" pitchFamily="34" charset="0"/>
+                <a:ea typeface="Liberation Sans" panose="020B0604020202020204" pitchFamily="34" charset="0"/>
+                <a:cs typeface="Liberation Sans" panose="020B0604020202020204" pitchFamily="34" charset="0"/>
+              </a:rPr>
               <a:t>For more information visit </a:t>
             </a:r>
             <a:r>
@@ -4518,6 +4676,9 @@
                 <a:solidFill>
                   <a:srgbClr val="0E70D7"/>
                 </a:solidFill>
+                <a:latin typeface="Liberation Sans" panose="020B0604020202020204" pitchFamily="34" charset="0"/>
+                <a:ea typeface="Liberation Sans" panose="020B0604020202020204" pitchFamily="34" charset="0"/>
+                <a:cs typeface="Liberation Sans" panose="020B0604020202020204" pitchFamily="34" charset="0"/>
                 <a:hlinkClick r:id="rId2"/>
               </a:rPr>
               <a:t>bigbluebutton.org →</a:t>
@@ -4526,6 +4687,9 @@
               <a:solidFill>
                 <a:srgbClr val="0E70D7"/>
               </a:solidFill>
+              <a:latin typeface="Liberation Sans" panose="020B0604020202020204" pitchFamily="34" charset="0"/>
+              <a:ea typeface="Liberation Sans" panose="020B0604020202020204" pitchFamily="34" charset="0"/>
+              <a:cs typeface="Liberation Sans" panose="020B0604020202020204" pitchFamily="34" charset="0"/>
               <a:hlinkClick r:id="rId3"/>
             </a:endParaRPr>
           </a:p>
@@ -5191,15 +5355,19 @@
                 </a:solidFill>
                 <a:effectLst/>
                 <a:uFillTx/>
-                <a:latin typeface="Helvetica Neue"/>
-                <a:ea typeface="Helvetica Neue"/>
-                <a:cs typeface="Helvetica Neue"/>
+                <a:latin typeface="Liberation Sans" panose="020B0604020202020204" pitchFamily="34" charset="0"/>
+                <a:ea typeface="Liberation Sans" panose="020B0604020202020204" pitchFamily="34" charset="0"/>
+                <a:cs typeface="Liberation Sans" panose="020B0604020202020204" pitchFamily="34" charset="0"/>
                 <a:sym typeface="Helvetica Neue"/>
               </a:rPr>
               <a:t>Thi</a:t>
             </a:r>
             <a:r>
-              <a:rPr lang="en-US" dirty="0"/>
+              <a:rPr lang="en-US" dirty="0">
+                <a:latin typeface="Liberation Sans" panose="020B0604020202020204" pitchFamily="34" charset="0"/>
+                <a:ea typeface="Liberation Sans" panose="020B0604020202020204" pitchFamily="34" charset="0"/>
+                <a:cs typeface="Liberation Sans" panose="020B0604020202020204" pitchFamily="34" charset="0"/>
+              </a:rPr>
               <a:t>s slide left blank for whiteboard</a:t>
             </a:r>
             <a:endParaRPr kumimoji="0" lang="en-US" sz="3000" b="1" i="0" u="none" strike="noStrike" cap="none" spc="0" normalizeH="0" baseline="0" dirty="0">
@@ -5211,9 +5379,9 @@
               </a:solidFill>
               <a:effectLst/>
               <a:uFillTx/>
-              <a:latin typeface="Helvetica Neue"/>
-              <a:ea typeface="Helvetica Neue"/>
-              <a:cs typeface="Helvetica Neue"/>
+              <a:latin typeface="Liberation Sans" panose="020B0604020202020204" pitchFamily="34" charset="0"/>
+              <a:ea typeface="Liberation Sans" panose="020B0604020202020204" pitchFamily="34" charset="0"/>
+              <a:cs typeface="Liberation Sans" panose="020B0604020202020204" pitchFamily="34" charset="0"/>
               <a:sym typeface="Helvetica Neue"/>
             </a:endParaRPr>
           </a:p>
@@ -5222,7 +5390,7 @@
     </p:spTree>
     <p:extLst>
       <p:ext uri="{BB962C8B-B14F-4D97-AF65-F5344CB8AC3E}">
-        <p14:creationId xmlns:p14="http://schemas.microsoft.com/office/powerpoint/2010/main" val="1775151055"/>
+        <p14:creationId xmlns:p14="http://schemas.microsoft.com/office/powerpoint/2010/main" val="1149708054"/>
       </p:ext>
     </p:extLst>
   </p:cSld>
@@ -5316,15 +5484,19 @@
                 </a:solidFill>
                 <a:effectLst/>
                 <a:uFillTx/>
-                <a:latin typeface="Helvetica Neue"/>
-                <a:ea typeface="Helvetica Neue"/>
-                <a:cs typeface="Helvetica Neue"/>
+                <a:latin typeface="Liberation Sans" panose="020B0604020202020204" pitchFamily="34" charset="0"/>
+                <a:ea typeface="Liberation Sans" panose="020B0604020202020204" pitchFamily="34" charset="0"/>
+                <a:cs typeface="Liberation Sans" panose="020B0604020202020204" pitchFamily="34" charset="0"/>
                 <a:sym typeface="Helvetica Neue"/>
               </a:rPr>
               <a:t>Thi</a:t>
             </a:r>
             <a:r>
-              <a:rPr lang="en-US" dirty="0"/>
+              <a:rPr lang="en-US" dirty="0">
+                <a:latin typeface="Liberation Sans" panose="020B0604020202020204" pitchFamily="34" charset="0"/>
+                <a:ea typeface="Liberation Sans" panose="020B0604020202020204" pitchFamily="34" charset="0"/>
+                <a:cs typeface="Liberation Sans" panose="020B0604020202020204" pitchFamily="34" charset="0"/>
+              </a:rPr>
               <a:t>s slide left blank for whiteboard</a:t>
             </a:r>
             <a:endParaRPr kumimoji="0" lang="en-US" sz="3000" b="1" i="0" u="none" strike="noStrike" cap="none" spc="0" normalizeH="0" baseline="0" dirty="0">
@@ -5336,9 +5508,9 @@
               </a:solidFill>
               <a:effectLst/>
               <a:uFillTx/>
-              <a:latin typeface="Helvetica Neue"/>
-              <a:ea typeface="Helvetica Neue"/>
-              <a:cs typeface="Helvetica Neue"/>
+              <a:latin typeface="Liberation Sans" panose="020B0604020202020204" pitchFamily="34" charset="0"/>
+              <a:ea typeface="Liberation Sans" panose="020B0604020202020204" pitchFamily="34" charset="0"/>
+              <a:cs typeface="Liberation Sans" panose="020B0604020202020204" pitchFamily="34" charset="0"/>
               <a:sym typeface="Helvetica Neue"/>
             </a:endParaRPr>
           </a:p>
@@ -5347,7 +5519,7 @@
     </p:spTree>
     <p:extLst>
       <p:ext uri="{BB962C8B-B14F-4D97-AF65-F5344CB8AC3E}">
-        <p14:creationId xmlns:p14="http://schemas.microsoft.com/office/powerpoint/2010/main" val="732659638"/>
+        <p14:creationId xmlns:p14="http://schemas.microsoft.com/office/powerpoint/2010/main" val="162087457"/>
       </p:ext>
     </p:extLst>
   </p:cSld>
@@ -5441,15 +5613,19 @@
                 </a:solidFill>
                 <a:effectLst/>
                 <a:uFillTx/>
-                <a:latin typeface="Helvetica Neue"/>
-                <a:ea typeface="Helvetica Neue"/>
-                <a:cs typeface="Helvetica Neue"/>
+                <a:latin typeface="Liberation Sans" panose="020B0604020202020204" pitchFamily="34" charset="0"/>
+                <a:ea typeface="Liberation Sans" panose="020B0604020202020204" pitchFamily="34" charset="0"/>
+                <a:cs typeface="Liberation Sans" panose="020B0604020202020204" pitchFamily="34" charset="0"/>
                 <a:sym typeface="Helvetica Neue"/>
               </a:rPr>
               <a:t>Thi</a:t>
             </a:r>
             <a:r>
-              <a:rPr lang="en-US" dirty="0"/>
+              <a:rPr lang="en-US" dirty="0">
+                <a:latin typeface="Liberation Sans" panose="020B0604020202020204" pitchFamily="34" charset="0"/>
+                <a:ea typeface="Liberation Sans" panose="020B0604020202020204" pitchFamily="34" charset="0"/>
+                <a:cs typeface="Liberation Sans" panose="020B0604020202020204" pitchFamily="34" charset="0"/>
+              </a:rPr>
               <a:t>s slide left blank for whiteboard</a:t>
             </a:r>
             <a:endParaRPr kumimoji="0" lang="en-US" sz="3000" b="1" i="0" u="none" strike="noStrike" cap="none" spc="0" normalizeH="0" baseline="0" dirty="0">
@@ -5461,9 +5637,9 @@
               </a:solidFill>
               <a:effectLst/>
               <a:uFillTx/>
-              <a:latin typeface="Helvetica Neue"/>
-              <a:ea typeface="Helvetica Neue"/>
-              <a:cs typeface="Helvetica Neue"/>
+              <a:latin typeface="Liberation Sans" panose="020B0604020202020204" pitchFamily="34" charset="0"/>
+              <a:ea typeface="Liberation Sans" panose="020B0604020202020204" pitchFamily="34" charset="0"/>
+              <a:cs typeface="Liberation Sans" panose="020B0604020202020204" pitchFamily="34" charset="0"/>
               <a:sym typeface="Helvetica Neue"/>
             </a:endParaRPr>
           </a:p>
@@ -5472,7 +5648,7 @@
     </p:spTree>
     <p:extLst>
       <p:ext uri="{BB962C8B-B14F-4D97-AF65-F5344CB8AC3E}">
-        <p14:creationId xmlns:p14="http://schemas.microsoft.com/office/powerpoint/2010/main" val="1834453856"/>
+        <p14:creationId xmlns:p14="http://schemas.microsoft.com/office/powerpoint/2010/main" val="810357911"/>
       </p:ext>
     </p:extLst>
   </p:cSld>
@@ -5566,15 +5742,19 @@
                 </a:solidFill>
                 <a:effectLst/>
                 <a:uFillTx/>
-                <a:latin typeface="Helvetica Neue"/>
-                <a:ea typeface="Helvetica Neue"/>
-                <a:cs typeface="Helvetica Neue"/>
+                <a:latin typeface="Liberation Sans" panose="020B0604020202020204" pitchFamily="34" charset="0"/>
+                <a:ea typeface="Liberation Sans" panose="020B0604020202020204" pitchFamily="34" charset="0"/>
+                <a:cs typeface="Liberation Sans" panose="020B0604020202020204" pitchFamily="34" charset="0"/>
                 <a:sym typeface="Helvetica Neue"/>
               </a:rPr>
               <a:t>Thi</a:t>
             </a:r>
             <a:r>
-              <a:rPr lang="en-US" dirty="0"/>
+              <a:rPr lang="en-US" dirty="0">
+                <a:latin typeface="Liberation Sans" panose="020B0604020202020204" pitchFamily="34" charset="0"/>
+                <a:ea typeface="Liberation Sans" panose="020B0604020202020204" pitchFamily="34" charset="0"/>
+                <a:cs typeface="Liberation Sans" panose="020B0604020202020204" pitchFamily="34" charset="0"/>
+              </a:rPr>
               <a:t>s slide left blank for whiteboard</a:t>
             </a:r>
             <a:endParaRPr kumimoji="0" lang="en-US" sz="3000" b="1" i="0" u="none" strike="noStrike" cap="none" spc="0" normalizeH="0" baseline="0" dirty="0">
@@ -5586,9 +5766,9 @@
               </a:solidFill>
               <a:effectLst/>
               <a:uFillTx/>
-              <a:latin typeface="Helvetica Neue"/>
-              <a:ea typeface="Helvetica Neue"/>
-              <a:cs typeface="Helvetica Neue"/>
+              <a:latin typeface="Liberation Sans" panose="020B0604020202020204" pitchFamily="34" charset="0"/>
+              <a:ea typeface="Liberation Sans" panose="020B0604020202020204" pitchFamily="34" charset="0"/>
+              <a:cs typeface="Liberation Sans" panose="020B0604020202020204" pitchFamily="34" charset="0"/>
               <a:sym typeface="Helvetica Neue"/>
             </a:endParaRPr>
           </a:p>
@@ -5597,7 +5777,7 @@
     </p:spTree>
     <p:extLst>
       <p:ext uri="{BB962C8B-B14F-4D97-AF65-F5344CB8AC3E}">
-        <p14:creationId xmlns:p14="http://schemas.microsoft.com/office/powerpoint/2010/main" val="1519292140"/>
+        <p14:creationId xmlns:p14="http://schemas.microsoft.com/office/powerpoint/2010/main" val="1733299536"/>
       </p:ext>
     </p:extLst>
   </p:cSld>
@@ -5691,15 +5871,19 @@
                 </a:solidFill>
                 <a:effectLst/>
                 <a:uFillTx/>
-                <a:latin typeface="Helvetica Neue"/>
-                <a:ea typeface="Helvetica Neue"/>
-                <a:cs typeface="Helvetica Neue"/>
+                <a:latin typeface="Liberation Sans" panose="020B0604020202020204" pitchFamily="34" charset="0"/>
+                <a:ea typeface="Liberation Sans" panose="020B0604020202020204" pitchFamily="34" charset="0"/>
+                <a:cs typeface="Liberation Sans" panose="020B0604020202020204" pitchFamily="34" charset="0"/>
                 <a:sym typeface="Helvetica Neue"/>
               </a:rPr>
               <a:t>Thi</a:t>
             </a:r>
             <a:r>
-              <a:rPr lang="en-US" dirty="0"/>
+              <a:rPr lang="en-US" dirty="0">
+                <a:latin typeface="Liberation Sans" panose="020B0604020202020204" pitchFamily="34" charset="0"/>
+                <a:ea typeface="Liberation Sans" panose="020B0604020202020204" pitchFamily="34" charset="0"/>
+                <a:cs typeface="Liberation Sans" panose="020B0604020202020204" pitchFamily="34" charset="0"/>
+              </a:rPr>
               <a:t>s slide left blank for whiteboard</a:t>
             </a:r>
             <a:endParaRPr kumimoji="0" lang="en-US" sz="3000" b="1" i="0" u="none" strike="noStrike" cap="none" spc="0" normalizeH="0" baseline="0" dirty="0">
@@ -5711,9 +5895,9 @@
               </a:solidFill>
               <a:effectLst/>
               <a:uFillTx/>
-              <a:latin typeface="Helvetica Neue"/>
-              <a:ea typeface="Helvetica Neue"/>
-              <a:cs typeface="Helvetica Neue"/>
+              <a:latin typeface="Liberation Sans" panose="020B0604020202020204" pitchFamily="34" charset="0"/>
+              <a:ea typeface="Liberation Sans" panose="020B0604020202020204" pitchFamily="34" charset="0"/>
+              <a:cs typeface="Liberation Sans" panose="020B0604020202020204" pitchFamily="34" charset="0"/>
               <a:sym typeface="Helvetica Neue"/>
             </a:endParaRPr>
           </a:p>
@@ -5722,7 +5906,7 @@
     </p:spTree>
     <p:extLst>
       <p:ext uri="{BB962C8B-B14F-4D97-AF65-F5344CB8AC3E}">
-        <p14:creationId xmlns:p14="http://schemas.microsoft.com/office/powerpoint/2010/main" val="1967969179"/>
+        <p14:creationId xmlns:p14="http://schemas.microsoft.com/office/powerpoint/2010/main" val="297871317"/>
       </p:ext>
     </p:extLst>
   </p:cSld>
@@ -5816,15 +6000,19 @@
                 </a:solidFill>
                 <a:effectLst/>
                 <a:uFillTx/>
-                <a:latin typeface="Helvetica Neue"/>
-                <a:ea typeface="Helvetica Neue"/>
-                <a:cs typeface="Helvetica Neue"/>
+                <a:latin typeface="Liberation Sans" panose="020B0604020202020204" pitchFamily="34" charset="0"/>
+                <a:ea typeface="Liberation Sans" panose="020B0604020202020204" pitchFamily="34" charset="0"/>
+                <a:cs typeface="Liberation Sans" panose="020B0604020202020204" pitchFamily="34" charset="0"/>
                 <a:sym typeface="Helvetica Neue"/>
               </a:rPr>
               <a:t>Thi</a:t>
             </a:r>
             <a:r>
-              <a:rPr lang="en-US" dirty="0"/>
+              <a:rPr lang="en-US" dirty="0">
+                <a:latin typeface="Liberation Sans" panose="020B0604020202020204" pitchFamily="34" charset="0"/>
+                <a:ea typeface="Liberation Sans" panose="020B0604020202020204" pitchFamily="34" charset="0"/>
+                <a:cs typeface="Liberation Sans" panose="020B0604020202020204" pitchFamily="34" charset="0"/>
+              </a:rPr>
               <a:t>s slide left blank for whiteboard</a:t>
             </a:r>
             <a:endParaRPr kumimoji="0" lang="en-US" sz="3000" b="1" i="0" u="none" strike="noStrike" cap="none" spc="0" normalizeH="0" baseline="0" dirty="0">
@@ -5836,9 +6024,9 @@
               </a:solidFill>
               <a:effectLst/>
               <a:uFillTx/>
-              <a:latin typeface="Helvetica Neue"/>
-              <a:ea typeface="Helvetica Neue"/>
-              <a:cs typeface="Helvetica Neue"/>
+              <a:latin typeface="Liberation Sans" panose="020B0604020202020204" pitchFamily="34" charset="0"/>
+              <a:ea typeface="Liberation Sans" panose="020B0604020202020204" pitchFamily="34" charset="0"/>
+              <a:cs typeface="Liberation Sans" panose="020B0604020202020204" pitchFamily="34" charset="0"/>
               <a:sym typeface="Helvetica Neue"/>
             </a:endParaRPr>
           </a:p>
@@ -5847,7 +6035,7 @@
     </p:spTree>
     <p:extLst>
       <p:ext uri="{BB962C8B-B14F-4D97-AF65-F5344CB8AC3E}">
-        <p14:creationId xmlns:p14="http://schemas.microsoft.com/office/powerpoint/2010/main" val="1019549509"/>
+        <p14:creationId xmlns:p14="http://schemas.microsoft.com/office/powerpoint/2010/main" val="2116901369"/>
       </p:ext>
     </p:extLst>
   </p:cSld>
@@ -5941,15 +6129,19 @@
                 </a:solidFill>
                 <a:effectLst/>
                 <a:uFillTx/>
-                <a:latin typeface="Helvetica Neue"/>
-                <a:ea typeface="Helvetica Neue"/>
-                <a:cs typeface="Helvetica Neue"/>
+                <a:latin typeface="Liberation Sans" panose="020B0604020202020204" pitchFamily="34" charset="0"/>
+                <a:ea typeface="Liberation Sans" panose="020B0604020202020204" pitchFamily="34" charset="0"/>
+                <a:cs typeface="Liberation Sans" panose="020B0604020202020204" pitchFamily="34" charset="0"/>
                 <a:sym typeface="Helvetica Neue"/>
               </a:rPr>
               <a:t>Thi</a:t>
             </a:r>
             <a:r>
-              <a:rPr lang="en-US" dirty="0"/>
+              <a:rPr lang="en-US" dirty="0">
+                <a:latin typeface="Liberation Sans" panose="020B0604020202020204" pitchFamily="34" charset="0"/>
+                <a:ea typeface="Liberation Sans" panose="020B0604020202020204" pitchFamily="34" charset="0"/>
+                <a:cs typeface="Liberation Sans" panose="020B0604020202020204" pitchFamily="34" charset="0"/>
+              </a:rPr>
               <a:t>s slide left blank for whiteboard</a:t>
             </a:r>
             <a:endParaRPr kumimoji="0" lang="en-US" sz="3000" b="1" i="0" u="none" strike="noStrike" cap="none" spc="0" normalizeH="0" baseline="0" dirty="0">
@@ -5961,9 +6153,9 @@
               </a:solidFill>
               <a:effectLst/>
               <a:uFillTx/>
-              <a:latin typeface="Helvetica Neue"/>
-              <a:ea typeface="Helvetica Neue"/>
-              <a:cs typeface="Helvetica Neue"/>
+              <a:latin typeface="Liberation Sans" panose="020B0604020202020204" pitchFamily="34" charset="0"/>
+              <a:ea typeface="Liberation Sans" panose="020B0604020202020204" pitchFamily="34" charset="0"/>
+              <a:cs typeface="Liberation Sans" panose="020B0604020202020204" pitchFamily="34" charset="0"/>
               <a:sym typeface="Helvetica Neue"/>
             </a:endParaRPr>
           </a:p>
@@ -5972,7 +6164,7 @@
     </p:spTree>
     <p:extLst>
       <p:ext uri="{BB962C8B-B14F-4D97-AF65-F5344CB8AC3E}">
-        <p14:creationId xmlns:p14="http://schemas.microsoft.com/office/powerpoint/2010/main" val="2091204037"/>
+        <p14:creationId xmlns:p14="http://schemas.microsoft.com/office/powerpoint/2010/main" val="1598076322"/>
       </p:ext>
     </p:extLst>
   </p:cSld>
@@ -6066,15 +6258,19 @@
                 </a:solidFill>
                 <a:effectLst/>
                 <a:uFillTx/>
-                <a:latin typeface="Helvetica Neue"/>
-                <a:ea typeface="Helvetica Neue"/>
-                <a:cs typeface="Helvetica Neue"/>
+                <a:latin typeface="Liberation Sans" panose="020B0604020202020204" pitchFamily="34" charset="0"/>
+                <a:ea typeface="Liberation Sans" panose="020B0604020202020204" pitchFamily="34" charset="0"/>
+                <a:cs typeface="Liberation Sans" panose="020B0604020202020204" pitchFamily="34" charset="0"/>
                 <a:sym typeface="Helvetica Neue"/>
               </a:rPr>
               <a:t>Thi</a:t>
             </a:r>
             <a:r>
-              <a:rPr lang="en-US" dirty="0"/>
+              <a:rPr lang="en-US" dirty="0">
+                <a:latin typeface="Liberation Sans" panose="020B0604020202020204" pitchFamily="34" charset="0"/>
+                <a:ea typeface="Liberation Sans" panose="020B0604020202020204" pitchFamily="34" charset="0"/>
+                <a:cs typeface="Liberation Sans" panose="020B0604020202020204" pitchFamily="34" charset="0"/>
+              </a:rPr>
               <a:t>s slide left blank for whiteboard</a:t>
             </a:r>
             <a:endParaRPr kumimoji="0" lang="en-US" sz="3000" b="1" i="0" u="none" strike="noStrike" cap="none" spc="0" normalizeH="0" baseline="0" dirty="0">
@@ -6086,9 +6282,9 @@
               </a:solidFill>
               <a:effectLst/>
               <a:uFillTx/>
-              <a:latin typeface="Helvetica Neue"/>
-              <a:ea typeface="Helvetica Neue"/>
-              <a:cs typeface="Helvetica Neue"/>
+              <a:latin typeface="Liberation Sans" panose="020B0604020202020204" pitchFamily="34" charset="0"/>
+              <a:ea typeface="Liberation Sans" panose="020B0604020202020204" pitchFamily="34" charset="0"/>
+              <a:cs typeface="Liberation Sans" panose="020B0604020202020204" pitchFamily="34" charset="0"/>
               <a:sym typeface="Helvetica Neue"/>
             </a:endParaRPr>
           </a:p>
@@ -6097,7 +6293,7 @@
     </p:spTree>
     <p:extLst>
       <p:ext uri="{BB962C8B-B14F-4D97-AF65-F5344CB8AC3E}">
-        <p14:creationId xmlns:p14="http://schemas.microsoft.com/office/powerpoint/2010/main" val="1879922999"/>
+        <p14:creationId xmlns:p14="http://schemas.microsoft.com/office/powerpoint/2010/main" val="1932241636"/>
       </p:ext>
     </p:extLst>
   </p:cSld>
@@ -6191,15 +6387,19 @@
                 </a:solidFill>
                 <a:effectLst/>
                 <a:uFillTx/>
-                <a:latin typeface="Helvetica Neue"/>
-                <a:ea typeface="Helvetica Neue"/>
-                <a:cs typeface="Helvetica Neue"/>
+                <a:latin typeface="Liberation Sans" panose="020B0604020202020204" pitchFamily="34" charset="0"/>
+                <a:ea typeface="Liberation Sans" panose="020B0604020202020204" pitchFamily="34" charset="0"/>
+                <a:cs typeface="Liberation Sans" panose="020B0604020202020204" pitchFamily="34" charset="0"/>
                 <a:sym typeface="Helvetica Neue"/>
               </a:rPr>
               <a:t>Thi</a:t>
             </a:r>
             <a:r>
-              <a:rPr lang="en-US" dirty="0"/>
+              <a:rPr lang="en-US" dirty="0">
+                <a:latin typeface="Liberation Sans" panose="020B0604020202020204" pitchFamily="34" charset="0"/>
+                <a:ea typeface="Liberation Sans" panose="020B0604020202020204" pitchFamily="34" charset="0"/>
+                <a:cs typeface="Liberation Sans" panose="020B0604020202020204" pitchFamily="34" charset="0"/>
+              </a:rPr>
               <a:t>s slide left blank for whiteboard</a:t>
             </a:r>
             <a:endParaRPr kumimoji="0" lang="en-US" sz="3000" b="1" i="0" u="none" strike="noStrike" cap="none" spc="0" normalizeH="0" baseline="0" dirty="0">
@@ -6211,9 +6411,9 @@
               </a:solidFill>
               <a:effectLst/>
               <a:uFillTx/>
-              <a:latin typeface="Helvetica Neue"/>
-              <a:ea typeface="Helvetica Neue"/>
-              <a:cs typeface="Helvetica Neue"/>
+              <a:latin typeface="Liberation Sans" panose="020B0604020202020204" pitchFamily="34" charset="0"/>
+              <a:ea typeface="Liberation Sans" panose="020B0604020202020204" pitchFamily="34" charset="0"/>
+              <a:cs typeface="Liberation Sans" panose="020B0604020202020204" pitchFamily="34" charset="0"/>
               <a:sym typeface="Helvetica Neue"/>
             </a:endParaRPr>
           </a:p>
@@ -6222,7 +6422,7 @@
     </p:spTree>
     <p:extLst>
       <p:ext uri="{BB962C8B-B14F-4D97-AF65-F5344CB8AC3E}">
-        <p14:creationId xmlns:p14="http://schemas.microsoft.com/office/powerpoint/2010/main" val="2219195757"/>
+        <p14:creationId xmlns:p14="http://schemas.microsoft.com/office/powerpoint/2010/main" val="1407162218"/>
       </p:ext>
     </p:extLst>
   </p:cSld>
@@ -6316,15 +6516,19 @@
                 </a:solidFill>
                 <a:effectLst/>
                 <a:uFillTx/>
-                <a:latin typeface="Helvetica Neue"/>
-                <a:ea typeface="Helvetica Neue"/>
-                <a:cs typeface="Helvetica Neue"/>
+                <a:latin typeface="Liberation Sans" panose="020B0604020202020204" pitchFamily="34" charset="0"/>
+                <a:ea typeface="Liberation Sans" panose="020B0604020202020204" pitchFamily="34" charset="0"/>
+                <a:cs typeface="Liberation Sans" panose="020B0604020202020204" pitchFamily="34" charset="0"/>
                 <a:sym typeface="Helvetica Neue"/>
               </a:rPr>
               <a:t>Thi</a:t>
             </a:r>
             <a:r>
-              <a:rPr lang="en-US" dirty="0"/>
+              <a:rPr lang="en-US" dirty="0">
+                <a:latin typeface="Liberation Sans" panose="020B0604020202020204" pitchFamily="34" charset="0"/>
+                <a:ea typeface="Liberation Sans" panose="020B0604020202020204" pitchFamily="34" charset="0"/>
+                <a:cs typeface="Liberation Sans" panose="020B0604020202020204" pitchFamily="34" charset="0"/>
+              </a:rPr>
               <a:t>s slide left blank for whiteboard</a:t>
             </a:r>
             <a:endParaRPr kumimoji="0" lang="en-US" sz="3000" b="1" i="0" u="none" strike="noStrike" cap="none" spc="0" normalizeH="0" baseline="0" dirty="0">
@@ -6336,9 +6540,9 @@
               </a:solidFill>
               <a:effectLst/>
               <a:uFillTx/>
-              <a:latin typeface="Helvetica Neue"/>
-              <a:ea typeface="Helvetica Neue"/>
-              <a:cs typeface="Helvetica Neue"/>
+              <a:latin typeface="Liberation Sans" panose="020B0604020202020204" pitchFamily="34" charset="0"/>
+              <a:ea typeface="Liberation Sans" panose="020B0604020202020204" pitchFamily="34" charset="0"/>
+              <a:cs typeface="Liberation Sans" panose="020B0604020202020204" pitchFamily="34" charset="0"/>
               <a:sym typeface="Helvetica Neue"/>
             </a:endParaRPr>
           </a:p>
@@ -6347,7 +6551,7 @@
     </p:spTree>
     <p:extLst>
       <p:ext uri="{BB962C8B-B14F-4D97-AF65-F5344CB8AC3E}">
-        <p14:creationId xmlns:p14="http://schemas.microsoft.com/office/powerpoint/2010/main" val="2411760225"/>
+        <p14:creationId xmlns:p14="http://schemas.microsoft.com/office/powerpoint/2010/main" val="3261057755"/>
       </p:ext>
     </p:extLst>
   </p:cSld>
@@ -6441,15 +6645,19 @@
                 </a:solidFill>
                 <a:effectLst/>
                 <a:uFillTx/>
-                <a:latin typeface="Helvetica Neue"/>
-                <a:ea typeface="Helvetica Neue"/>
-                <a:cs typeface="Helvetica Neue"/>
+                <a:latin typeface="Liberation Sans" panose="020B0604020202020204" pitchFamily="34" charset="0"/>
+                <a:ea typeface="Liberation Sans" panose="020B0604020202020204" pitchFamily="34" charset="0"/>
+                <a:cs typeface="Liberation Sans" panose="020B0604020202020204" pitchFamily="34" charset="0"/>
                 <a:sym typeface="Helvetica Neue"/>
               </a:rPr>
               <a:t>Thi</a:t>
             </a:r>
             <a:r>
-              <a:rPr lang="en-US" dirty="0"/>
+              <a:rPr lang="en-US" dirty="0">
+                <a:latin typeface="Liberation Sans" panose="020B0604020202020204" pitchFamily="34" charset="0"/>
+                <a:ea typeface="Liberation Sans" panose="020B0604020202020204" pitchFamily="34" charset="0"/>
+                <a:cs typeface="Liberation Sans" panose="020B0604020202020204" pitchFamily="34" charset="0"/>
+              </a:rPr>
               <a:t>s slide left blank for whiteboard</a:t>
             </a:r>
             <a:endParaRPr kumimoji="0" lang="en-US" sz="3000" b="1" i="0" u="none" strike="noStrike" cap="none" spc="0" normalizeH="0" baseline="0" dirty="0">
@@ -6461,9 +6669,9 @@
               </a:solidFill>
               <a:effectLst/>
               <a:uFillTx/>
-              <a:latin typeface="Helvetica Neue"/>
-              <a:ea typeface="Helvetica Neue"/>
-              <a:cs typeface="Helvetica Neue"/>
+              <a:latin typeface="Liberation Sans" panose="020B0604020202020204" pitchFamily="34" charset="0"/>
+              <a:ea typeface="Liberation Sans" panose="020B0604020202020204" pitchFamily="34" charset="0"/>
+              <a:cs typeface="Liberation Sans" panose="020B0604020202020204" pitchFamily="34" charset="0"/>
               <a:sym typeface="Helvetica Neue"/>
             </a:endParaRPr>
           </a:p>
@@ -6566,15 +6774,19 @@
                 </a:solidFill>
                 <a:effectLst/>
                 <a:uFillTx/>
-                <a:latin typeface="Helvetica Neue"/>
-                <a:ea typeface="Helvetica Neue"/>
-                <a:cs typeface="Helvetica Neue"/>
+                <a:latin typeface="Liberation Sans" panose="020B0604020202020204" pitchFamily="34" charset="0"/>
+                <a:ea typeface="Liberation Sans" panose="020B0604020202020204" pitchFamily="34" charset="0"/>
+                <a:cs typeface="Liberation Sans" panose="020B0604020202020204" pitchFamily="34" charset="0"/>
                 <a:sym typeface="Helvetica Neue"/>
               </a:rPr>
               <a:t>Thi</a:t>
             </a:r>
             <a:r>
-              <a:rPr lang="en-US" dirty="0"/>
+              <a:rPr lang="en-US" dirty="0">
+                <a:latin typeface="Liberation Sans" panose="020B0604020202020204" pitchFamily="34" charset="0"/>
+                <a:ea typeface="Liberation Sans" panose="020B0604020202020204" pitchFamily="34" charset="0"/>
+                <a:cs typeface="Liberation Sans" panose="020B0604020202020204" pitchFamily="34" charset="0"/>
+              </a:rPr>
               <a:t>s slide left blank for whiteboard</a:t>
             </a:r>
             <a:endParaRPr kumimoji="0" lang="en-US" sz="3000" b="1" i="0" u="none" strike="noStrike" cap="none" spc="0" normalizeH="0" baseline="0" dirty="0">
@@ -6586,9 +6798,9 @@
               </a:solidFill>
               <a:effectLst/>
               <a:uFillTx/>
-              <a:latin typeface="Helvetica Neue"/>
-              <a:ea typeface="Helvetica Neue"/>
-              <a:cs typeface="Helvetica Neue"/>
+              <a:latin typeface="Liberation Sans" panose="020B0604020202020204" pitchFamily="34" charset="0"/>
+              <a:ea typeface="Liberation Sans" panose="020B0604020202020204" pitchFamily="34" charset="0"/>
+              <a:cs typeface="Liberation Sans" panose="020B0604020202020204" pitchFamily="34" charset="0"/>
               <a:sym typeface="Helvetica Neue"/>
             </a:endParaRPr>
           </a:p>
@@ -6597,7 +6809,7 @@
     </p:spTree>
     <p:extLst>
       <p:ext uri="{BB962C8B-B14F-4D97-AF65-F5344CB8AC3E}">
-        <p14:creationId xmlns:p14="http://schemas.microsoft.com/office/powerpoint/2010/main" val="4198219775"/>
+        <p14:creationId xmlns:p14="http://schemas.microsoft.com/office/powerpoint/2010/main" val="1980653225"/>
       </p:ext>
     </p:extLst>
   </p:cSld>
@@ -6691,15 +6903,19 @@
                 </a:solidFill>
                 <a:effectLst/>
                 <a:uFillTx/>
-                <a:latin typeface="Helvetica Neue"/>
-                <a:ea typeface="Helvetica Neue"/>
-                <a:cs typeface="Helvetica Neue"/>
+                <a:latin typeface="Liberation Sans" panose="020B0604020202020204" pitchFamily="34" charset="0"/>
+                <a:ea typeface="Liberation Sans" panose="020B0604020202020204" pitchFamily="34" charset="0"/>
+                <a:cs typeface="Liberation Sans" panose="020B0604020202020204" pitchFamily="34" charset="0"/>
                 <a:sym typeface="Helvetica Neue"/>
               </a:rPr>
               <a:t>Thi</a:t>
             </a:r>
             <a:r>
-              <a:rPr lang="en-US" dirty="0"/>
+              <a:rPr lang="en-US" dirty="0">
+                <a:latin typeface="Liberation Sans" panose="020B0604020202020204" pitchFamily="34" charset="0"/>
+                <a:ea typeface="Liberation Sans" panose="020B0604020202020204" pitchFamily="34" charset="0"/>
+                <a:cs typeface="Liberation Sans" panose="020B0604020202020204" pitchFamily="34" charset="0"/>
+              </a:rPr>
               <a:t>s slide left blank for whiteboard</a:t>
             </a:r>
             <a:endParaRPr kumimoji="0" lang="en-US" sz="3000" b="1" i="0" u="none" strike="noStrike" cap="none" spc="0" normalizeH="0" baseline="0" dirty="0">
@@ -6711,9 +6927,9 @@
               </a:solidFill>
               <a:effectLst/>
               <a:uFillTx/>
-              <a:latin typeface="Helvetica Neue"/>
-              <a:ea typeface="Helvetica Neue"/>
-              <a:cs typeface="Helvetica Neue"/>
+              <a:latin typeface="Liberation Sans" panose="020B0604020202020204" pitchFamily="34" charset="0"/>
+              <a:ea typeface="Liberation Sans" panose="020B0604020202020204" pitchFamily="34" charset="0"/>
+              <a:cs typeface="Liberation Sans" panose="020B0604020202020204" pitchFamily="34" charset="0"/>
               <a:sym typeface="Helvetica Neue"/>
             </a:endParaRPr>
           </a:p>
@@ -6722,7 +6938,7 @@
     </p:spTree>
     <p:extLst>
       <p:ext uri="{BB962C8B-B14F-4D97-AF65-F5344CB8AC3E}">
-        <p14:creationId xmlns:p14="http://schemas.microsoft.com/office/powerpoint/2010/main" val="2476088095"/>
+        <p14:creationId xmlns:p14="http://schemas.microsoft.com/office/powerpoint/2010/main" val="340530087"/>
       </p:ext>
     </p:extLst>
   </p:cSld>
@@ -6816,15 +7032,19 @@
                 </a:solidFill>
                 <a:effectLst/>
                 <a:uFillTx/>
-                <a:latin typeface="Helvetica Neue"/>
-                <a:ea typeface="Helvetica Neue"/>
-                <a:cs typeface="Helvetica Neue"/>
+                <a:latin typeface="Liberation Sans" panose="020B0604020202020204" pitchFamily="34" charset="0"/>
+                <a:ea typeface="Liberation Sans" panose="020B0604020202020204" pitchFamily="34" charset="0"/>
+                <a:cs typeface="Liberation Sans" panose="020B0604020202020204" pitchFamily="34" charset="0"/>
                 <a:sym typeface="Helvetica Neue"/>
               </a:rPr>
               <a:t>Thi</a:t>
             </a:r>
             <a:r>
-              <a:rPr lang="en-US" dirty="0"/>
+              <a:rPr lang="en-US" dirty="0">
+                <a:latin typeface="Liberation Sans" panose="020B0604020202020204" pitchFamily="34" charset="0"/>
+                <a:ea typeface="Liberation Sans" panose="020B0604020202020204" pitchFamily="34" charset="0"/>
+                <a:cs typeface="Liberation Sans" panose="020B0604020202020204" pitchFamily="34" charset="0"/>
+              </a:rPr>
               <a:t>s slide left blank for whiteboard</a:t>
             </a:r>
             <a:endParaRPr kumimoji="0" lang="en-US" sz="3000" b="1" i="0" u="none" strike="noStrike" cap="none" spc="0" normalizeH="0" baseline="0" dirty="0">
@@ -6836,9 +7056,9 @@
               </a:solidFill>
               <a:effectLst/>
               <a:uFillTx/>
-              <a:latin typeface="Helvetica Neue"/>
-              <a:ea typeface="Helvetica Neue"/>
-              <a:cs typeface="Helvetica Neue"/>
+              <a:latin typeface="Liberation Sans" panose="020B0604020202020204" pitchFamily="34" charset="0"/>
+              <a:ea typeface="Liberation Sans" panose="020B0604020202020204" pitchFamily="34" charset="0"/>
+              <a:cs typeface="Liberation Sans" panose="020B0604020202020204" pitchFamily="34" charset="0"/>
               <a:sym typeface="Helvetica Neue"/>
             </a:endParaRPr>
           </a:p>
@@ -6847,7 +7067,7 @@
     </p:spTree>
     <p:extLst>
       <p:ext uri="{BB962C8B-B14F-4D97-AF65-F5344CB8AC3E}">
-        <p14:creationId xmlns:p14="http://schemas.microsoft.com/office/powerpoint/2010/main" val="2476088095"/>
+        <p14:creationId xmlns:p14="http://schemas.microsoft.com/office/powerpoint/2010/main" val="2698087620"/>
       </p:ext>
     </p:extLst>
   </p:cSld>
@@ -6941,15 +7161,19 @@
                 </a:solidFill>
                 <a:effectLst/>
                 <a:uFillTx/>
-                <a:latin typeface="Helvetica Neue"/>
-                <a:ea typeface="Helvetica Neue"/>
-                <a:cs typeface="Helvetica Neue"/>
+                <a:latin typeface="Liberation Sans" panose="020B0604020202020204" pitchFamily="34" charset="0"/>
+                <a:ea typeface="Liberation Sans" panose="020B0604020202020204" pitchFamily="34" charset="0"/>
+                <a:cs typeface="Liberation Sans" panose="020B0604020202020204" pitchFamily="34" charset="0"/>
                 <a:sym typeface="Helvetica Neue"/>
               </a:rPr>
               <a:t>Thi</a:t>
             </a:r>
             <a:r>
-              <a:rPr lang="en-US" dirty="0"/>
+              <a:rPr lang="en-US" dirty="0">
+                <a:latin typeface="Liberation Sans" panose="020B0604020202020204" pitchFamily="34" charset="0"/>
+                <a:ea typeface="Liberation Sans" panose="020B0604020202020204" pitchFamily="34" charset="0"/>
+                <a:cs typeface="Liberation Sans" panose="020B0604020202020204" pitchFamily="34" charset="0"/>
+              </a:rPr>
               <a:t>s slide left blank for whiteboard</a:t>
             </a:r>
             <a:endParaRPr kumimoji="0" lang="en-US" sz="3000" b="1" i="0" u="none" strike="noStrike" cap="none" spc="0" normalizeH="0" baseline="0" dirty="0">
@@ -6961,9 +7185,9 @@
               </a:solidFill>
               <a:effectLst/>
               <a:uFillTx/>
-              <a:latin typeface="Helvetica Neue"/>
-              <a:ea typeface="Helvetica Neue"/>
-              <a:cs typeface="Helvetica Neue"/>
+              <a:latin typeface="Liberation Sans" panose="020B0604020202020204" pitchFamily="34" charset="0"/>
+              <a:ea typeface="Liberation Sans" panose="020B0604020202020204" pitchFamily="34" charset="0"/>
+              <a:cs typeface="Liberation Sans" panose="020B0604020202020204" pitchFamily="34" charset="0"/>
               <a:sym typeface="Helvetica Neue"/>
             </a:endParaRPr>
           </a:p>
@@ -6972,7 +7196,7 @@
     </p:spTree>
     <p:extLst>
       <p:ext uri="{BB962C8B-B14F-4D97-AF65-F5344CB8AC3E}">
-        <p14:creationId xmlns:p14="http://schemas.microsoft.com/office/powerpoint/2010/main" val="2476088095"/>
+        <p14:creationId xmlns:p14="http://schemas.microsoft.com/office/powerpoint/2010/main" val="3318810206"/>
       </p:ext>
     </p:extLst>
   </p:cSld>
@@ -7066,15 +7290,19 @@
                 </a:solidFill>
                 <a:effectLst/>
                 <a:uFillTx/>
-                <a:latin typeface="Helvetica Neue"/>
-                <a:ea typeface="Helvetica Neue"/>
-                <a:cs typeface="Helvetica Neue"/>
+                <a:latin typeface="Liberation Sans" panose="020B0604020202020204" pitchFamily="34" charset="0"/>
+                <a:ea typeface="Liberation Sans" panose="020B0604020202020204" pitchFamily="34" charset="0"/>
+                <a:cs typeface="Liberation Sans" panose="020B0604020202020204" pitchFamily="34" charset="0"/>
                 <a:sym typeface="Helvetica Neue"/>
               </a:rPr>
               <a:t>Thi</a:t>
             </a:r>
             <a:r>
-              <a:rPr lang="en-US" dirty="0"/>
+              <a:rPr lang="en-US" dirty="0">
+                <a:latin typeface="Liberation Sans" panose="020B0604020202020204" pitchFamily="34" charset="0"/>
+                <a:ea typeface="Liberation Sans" panose="020B0604020202020204" pitchFamily="34" charset="0"/>
+                <a:cs typeface="Liberation Sans" panose="020B0604020202020204" pitchFamily="34" charset="0"/>
+              </a:rPr>
               <a:t>s slide left blank for whiteboard</a:t>
             </a:r>
             <a:endParaRPr kumimoji="0" lang="en-US" sz="3000" b="1" i="0" u="none" strike="noStrike" cap="none" spc="0" normalizeH="0" baseline="0" dirty="0">
@@ -7086,9 +7314,9 @@
               </a:solidFill>
               <a:effectLst/>
               <a:uFillTx/>
-              <a:latin typeface="Helvetica Neue"/>
-              <a:ea typeface="Helvetica Neue"/>
-              <a:cs typeface="Helvetica Neue"/>
+              <a:latin typeface="Liberation Sans" panose="020B0604020202020204" pitchFamily="34" charset="0"/>
+              <a:ea typeface="Liberation Sans" panose="020B0604020202020204" pitchFamily="34" charset="0"/>
+              <a:cs typeface="Liberation Sans" panose="020B0604020202020204" pitchFamily="34" charset="0"/>
               <a:sym typeface="Helvetica Neue"/>
             </a:endParaRPr>
           </a:p>
@@ -7097,7 +7325,7 @@
     </p:spTree>
     <p:extLst>
       <p:ext uri="{BB962C8B-B14F-4D97-AF65-F5344CB8AC3E}">
-        <p14:creationId xmlns:p14="http://schemas.microsoft.com/office/powerpoint/2010/main" val="2476088095"/>
+        <p14:creationId xmlns:p14="http://schemas.microsoft.com/office/powerpoint/2010/main" val="1643866065"/>
       </p:ext>
     </p:extLst>
   </p:cSld>
@@ -7191,15 +7419,19 @@
                 </a:solidFill>
                 <a:effectLst/>
                 <a:uFillTx/>
-                <a:latin typeface="Helvetica Neue"/>
-                <a:ea typeface="Helvetica Neue"/>
-                <a:cs typeface="Helvetica Neue"/>
+                <a:latin typeface="Liberation Sans" panose="020B0604020202020204" pitchFamily="34" charset="0"/>
+                <a:ea typeface="Liberation Sans" panose="020B0604020202020204" pitchFamily="34" charset="0"/>
+                <a:cs typeface="Liberation Sans" panose="020B0604020202020204" pitchFamily="34" charset="0"/>
                 <a:sym typeface="Helvetica Neue"/>
               </a:rPr>
               <a:t>Thi</a:t>
             </a:r>
             <a:r>
-              <a:rPr lang="en-US" dirty="0"/>
+              <a:rPr lang="en-US" dirty="0">
+                <a:latin typeface="Liberation Sans" panose="020B0604020202020204" pitchFamily="34" charset="0"/>
+                <a:ea typeface="Liberation Sans" panose="020B0604020202020204" pitchFamily="34" charset="0"/>
+                <a:cs typeface="Liberation Sans" panose="020B0604020202020204" pitchFamily="34" charset="0"/>
+              </a:rPr>
               <a:t>s slide left blank for whiteboard</a:t>
             </a:r>
             <a:endParaRPr kumimoji="0" lang="en-US" sz="3000" b="1" i="0" u="none" strike="noStrike" cap="none" spc="0" normalizeH="0" baseline="0" dirty="0">
@@ -7211,9 +7443,9 @@
               </a:solidFill>
               <a:effectLst/>
               <a:uFillTx/>
-              <a:latin typeface="Helvetica Neue"/>
-              <a:ea typeface="Helvetica Neue"/>
-              <a:cs typeface="Helvetica Neue"/>
+              <a:latin typeface="Liberation Sans" panose="020B0604020202020204" pitchFamily="34" charset="0"/>
+              <a:ea typeface="Liberation Sans" panose="020B0604020202020204" pitchFamily="34" charset="0"/>
+              <a:cs typeface="Liberation Sans" panose="020B0604020202020204" pitchFamily="34" charset="0"/>
               <a:sym typeface="Helvetica Neue"/>
             </a:endParaRPr>
           </a:p>
@@ -7222,7 +7454,7 @@
     </p:spTree>
     <p:extLst>
       <p:ext uri="{BB962C8B-B14F-4D97-AF65-F5344CB8AC3E}">
-        <p14:creationId xmlns:p14="http://schemas.microsoft.com/office/powerpoint/2010/main" val="176299631"/>
+        <p14:creationId xmlns:p14="http://schemas.microsoft.com/office/powerpoint/2010/main" val="3612121779"/>
       </p:ext>
     </p:extLst>
   </p:cSld>
@@ -7316,15 +7548,19 @@
                 </a:solidFill>
                 <a:effectLst/>
                 <a:uFillTx/>
-                <a:latin typeface="Helvetica Neue"/>
-                <a:ea typeface="Helvetica Neue"/>
-                <a:cs typeface="Helvetica Neue"/>
+                <a:latin typeface="Liberation Sans" panose="020B0604020202020204" pitchFamily="34" charset="0"/>
+                <a:ea typeface="Liberation Sans" panose="020B0604020202020204" pitchFamily="34" charset="0"/>
+                <a:cs typeface="Liberation Sans" panose="020B0604020202020204" pitchFamily="34" charset="0"/>
                 <a:sym typeface="Helvetica Neue"/>
               </a:rPr>
               <a:t>Thi</a:t>
             </a:r>
             <a:r>
-              <a:rPr lang="en-US" dirty="0"/>
+              <a:rPr lang="en-US" dirty="0">
+                <a:latin typeface="Liberation Sans" panose="020B0604020202020204" pitchFamily="34" charset="0"/>
+                <a:ea typeface="Liberation Sans" panose="020B0604020202020204" pitchFamily="34" charset="0"/>
+                <a:cs typeface="Liberation Sans" panose="020B0604020202020204" pitchFamily="34" charset="0"/>
+              </a:rPr>
               <a:t>s slide left blank for whiteboard</a:t>
             </a:r>
             <a:endParaRPr kumimoji="0" lang="en-US" sz="3000" b="1" i="0" u="none" strike="noStrike" cap="none" spc="0" normalizeH="0" baseline="0" dirty="0">
@@ -7336,9 +7572,9 @@
               </a:solidFill>
               <a:effectLst/>
               <a:uFillTx/>
-              <a:latin typeface="Helvetica Neue"/>
-              <a:ea typeface="Helvetica Neue"/>
-              <a:cs typeface="Helvetica Neue"/>
+              <a:latin typeface="Liberation Sans" panose="020B0604020202020204" pitchFamily="34" charset="0"/>
+              <a:ea typeface="Liberation Sans" panose="020B0604020202020204" pitchFamily="34" charset="0"/>
+              <a:cs typeface="Liberation Sans" panose="020B0604020202020204" pitchFamily="34" charset="0"/>
               <a:sym typeface="Helvetica Neue"/>
             </a:endParaRPr>
           </a:p>
@@ -7347,7 +7583,7 @@
     </p:spTree>
     <p:extLst>
       <p:ext uri="{BB962C8B-B14F-4D97-AF65-F5344CB8AC3E}">
-        <p14:creationId xmlns:p14="http://schemas.microsoft.com/office/powerpoint/2010/main" val="568924102"/>
+        <p14:creationId xmlns:p14="http://schemas.microsoft.com/office/powerpoint/2010/main" val="1938561764"/>
       </p:ext>
     </p:extLst>
   </p:cSld>
@@ -7441,15 +7677,19 @@
                 </a:solidFill>
                 <a:effectLst/>
                 <a:uFillTx/>
-                <a:latin typeface="Helvetica Neue"/>
-                <a:ea typeface="Helvetica Neue"/>
-                <a:cs typeface="Helvetica Neue"/>
+                <a:latin typeface="Liberation Sans" panose="020B0604020202020204" pitchFamily="34" charset="0"/>
+                <a:ea typeface="Liberation Sans" panose="020B0604020202020204" pitchFamily="34" charset="0"/>
+                <a:cs typeface="Liberation Sans" panose="020B0604020202020204" pitchFamily="34" charset="0"/>
                 <a:sym typeface="Helvetica Neue"/>
               </a:rPr>
               <a:t>Thi</a:t>
             </a:r>
             <a:r>
-              <a:rPr lang="en-US" dirty="0"/>
+              <a:rPr lang="en-US" dirty="0">
+                <a:latin typeface="Liberation Sans" panose="020B0604020202020204" pitchFamily="34" charset="0"/>
+                <a:ea typeface="Liberation Sans" panose="020B0604020202020204" pitchFamily="34" charset="0"/>
+                <a:cs typeface="Liberation Sans" panose="020B0604020202020204" pitchFamily="34" charset="0"/>
+              </a:rPr>
               <a:t>s slide left blank for whiteboard</a:t>
             </a:r>
             <a:endParaRPr kumimoji="0" lang="en-US" sz="3000" b="1" i="0" u="none" strike="noStrike" cap="none" spc="0" normalizeH="0" baseline="0" dirty="0">
@@ -7461,9 +7701,9 @@
               </a:solidFill>
               <a:effectLst/>
               <a:uFillTx/>
-              <a:latin typeface="Helvetica Neue"/>
-              <a:ea typeface="Helvetica Neue"/>
-              <a:cs typeface="Helvetica Neue"/>
+              <a:latin typeface="Liberation Sans" panose="020B0604020202020204" pitchFamily="34" charset="0"/>
+              <a:ea typeface="Liberation Sans" panose="020B0604020202020204" pitchFamily="34" charset="0"/>
+              <a:cs typeface="Liberation Sans" panose="020B0604020202020204" pitchFamily="34" charset="0"/>
               <a:sym typeface="Helvetica Neue"/>
             </a:endParaRPr>
           </a:p>
@@ -7472,7 +7712,7 @@
     </p:spTree>
     <p:extLst>
       <p:ext uri="{BB962C8B-B14F-4D97-AF65-F5344CB8AC3E}">
-        <p14:creationId xmlns:p14="http://schemas.microsoft.com/office/powerpoint/2010/main" val="3755911299"/>
+        <p14:creationId xmlns:p14="http://schemas.microsoft.com/office/powerpoint/2010/main" val="1493203562"/>
       </p:ext>
     </p:extLst>
   </p:cSld>
